--- a/P_and_G_final_a.pptx
+++ b/P_and_G_final_a.pptx
@@ -256,7 +256,7 @@
           <a:p>
             <a:fld id="{846CE7D5-CF57-46EF-B807-FDD0502418D4}" type="datetimeFigureOut">
               <a:rPr lang="en-US" smtClean="0"/>
-              <a:t>5/29/2020</a:t>
+              <a:t>5/30/2020</a:t>
             </a:fld>
             <a:endParaRPr lang="en-US"/>
           </a:p>
@@ -426,7 +426,7 @@
           <a:p>
             <a:fld id="{846CE7D5-CF57-46EF-B807-FDD0502418D4}" type="datetimeFigureOut">
               <a:rPr lang="en-US" smtClean="0"/>
-              <a:t>5/29/2020</a:t>
+              <a:t>5/30/2020</a:t>
             </a:fld>
             <a:endParaRPr lang="en-US"/>
           </a:p>
@@ -606,7 +606,7 @@
           <a:p>
             <a:fld id="{846CE7D5-CF57-46EF-B807-FDD0502418D4}" type="datetimeFigureOut">
               <a:rPr lang="en-US" smtClean="0"/>
-              <a:t>5/29/2020</a:t>
+              <a:t>5/30/2020</a:t>
             </a:fld>
             <a:endParaRPr lang="en-US"/>
           </a:p>
@@ -776,7 +776,7 @@
           <a:p>
             <a:fld id="{846CE7D5-CF57-46EF-B807-FDD0502418D4}" type="datetimeFigureOut">
               <a:rPr lang="en-US" smtClean="0"/>
-              <a:t>5/29/2020</a:t>
+              <a:t>5/30/2020</a:t>
             </a:fld>
             <a:endParaRPr lang="en-US"/>
           </a:p>
@@ -1022,7 +1022,7 @@
           <a:p>
             <a:fld id="{846CE7D5-CF57-46EF-B807-FDD0502418D4}" type="datetimeFigureOut">
               <a:rPr lang="en-US" smtClean="0"/>
-              <a:t>5/29/2020</a:t>
+              <a:t>5/30/2020</a:t>
             </a:fld>
             <a:endParaRPr lang="en-US"/>
           </a:p>
@@ -1254,7 +1254,7 @@
           <a:p>
             <a:fld id="{846CE7D5-CF57-46EF-B807-FDD0502418D4}" type="datetimeFigureOut">
               <a:rPr lang="en-US" smtClean="0"/>
-              <a:t>5/29/2020</a:t>
+              <a:t>5/30/2020</a:t>
             </a:fld>
             <a:endParaRPr lang="en-US"/>
           </a:p>
@@ -1621,7 +1621,7 @@
           <a:p>
             <a:fld id="{846CE7D5-CF57-46EF-B807-FDD0502418D4}" type="datetimeFigureOut">
               <a:rPr lang="en-US" smtClean="0"/>
-              <a:t>5/29/2020</a:t>
+              <a:t>5/30/2020</a:t>
             </a:fld>
             <a:endParaRPr lang="en-US"/>
           </a:p>
@@ -1739,7 +1739,7 @@
           <a:p>
             <a:fld id="{846CE7D5-CF57-46EF-B807-FDD0502418D4}" type="datetimeFigureOut">
               <a:rPr lang="en-US" smtClean="0"/>
-              <a:t>5/29/2020</a:t>
+              <a:t>5/30/2020</a:t>
             </a:fld>
             <a:endParaRPr lang="en-US"/>
           </a:p>
@@ -1834,7 +1834,7 @@
           <a:p>
             <a:fld id="{846CE7D5-CF57-46EF-B807-FDD0502418D4}" type="datetimeFigureOut">
               <a:rPr lang="en-US" smtClean="0"/>
-              <a:t>5/29/2020</a:t>
+              <a:t>5/30/2020</a:t>
             </a:fld>
             <a:endParaRPr lang="en-US"/>
           </a:p>
@@ -2111,7 +2111,7 @@
           <a:p>
             <a:fld id="{846CE7D5-CF57-46EF-B807-FDD0502418D4}" type="datetimeFigureOut">
               <a:rPr lang="en-US" smtClean="0"/>
-              <a:t>5/29/2020</a:t>
+              <a:t>5/30/2020</a:t>
             </a:fld>
             <a:endParaRPr lang="en-US"/>
           </a:p>
@@ -2368,7 +2368,7 @@
           <a:p>
             <a:fld id="{846CE7D5-CF57-46EF-B807-FDD0502418D4}" type="datetimeFigureOut">
               <a:rPr lang="en-US" smtClean="0"/>
-              <a:t>5/29/2020</a:t>
+              <a:t>5/30/2020</a:t>
             </a:fld>
             <a:endParaRPr lang="en-US"/>
           </a:p>
@@ -2581,7 +2581,7 @@
           <a:p>
             <a:fld id="{846CE7D5-CF57-46EF-B807-FDD0502418D4}" type="datetimeFigureOut">
               <a:rPr lang="en-US" smtClean="0"/>
-              <a:t>5/29/2020</a:t>
+              <a:t>5/30/2020</a:t>
             </a:fld>
             <a:endParaRPr lang="en-US"/>
           </a:p>
@@ -2986,6 +2986,53 @@
           <a:chExt cx="0" cy="0"/>
         </a:xfrm>
       </p:grpSpPr>
+      <p:pic>
+        <p:nvPicPr>
+          <p:cNvPr id="17" name="Picture 8" descr="The LeanMan - Kanban Simulation">
+            <a:extLst>
+              <a:ext uri="{FF2B5EF4-FFF2-40B4-BE49-F238E27FC236}">
+                <a16:creationId xmlns:a16="http://schemas.microsoft.com/office/drawing/2014/main" id="{AEC02A90-68DE-4A6A-B8D0-0C90677D2BF6}"/>
+              </a:ext>
+            </a:extLst>
+          </p:cNvPr>
+          <p:cNvPicPr>
+            <a:picLocks noChangeAspect="1" noChangeArrowheads="1"/>
+          </p:cNvPicPr>
+          <p:nvPr/>
+        </p:nvPicPr>
+        <p:blipFill>
+          <a:blip r:embed="rId2">
+            <a:extLst>
+              <a:ext uri="{28A0092B-C50C-407E-A947-70E740481C1C}">
+                <a14:useLocalDpi xmlns:a14="http://schemas.microsoft.com/office/drawing/2010/main" val="0"/>
+              </a:ext>
+            </a:extLst>
+          </a:blip>
+          <a:srcRect/>
+          <a:stretch>
+            <a:fillRect/>
+          </a:stretch>
+        </p:blipFill>
+        <p:spPr bwMode="auto">
+          <a:xfrm>
+            <a:off x="6046304" y="1505579"/>
+            <a:ext cx="5971121" cy="5277880"/>
+          </a:xfrm>
+          <a:prstGeom prst="rect">
+            <a:avLst/>
+          </a:prstGeom>
+          <a:noFill/>
+          <a:extLst>
+            <a:ext uri="{909E8E84-426E-40DD-AFC4-6F175D3DCCD1}">
+              <a14:hiddenFill xmlns:a14="http://schemas.microsoft.com/office/drawing/2010/main">
+                <a:solidFill>
+                  <a:srgbClr val="FFFFFF"/>
+                </a:solidFill>
+              </a14:hiddenFill>
+            </a:ext>
+          </a:extLst>
+        </p:spPr>
+      </p:pic>
       <p:sp>
         <p:nvSpPr>
           <p:cNvPr id="13" name="Rectangle 12">
@@ -3000,8 +3047,8 @@
         </p:nvSpPr>
         <p:spPr>
           <a:xfrm>
-            <a:off x="1" y="564023"/>
-            <a:ext cx="5853230" cy="3317921"/>
+            <a:off x="1" y="564024"/>
+            <a:ext cx="5853227" cy="836964"/>
           </a:xfrm>
           <a:prstGeom prst="rect">
             <a:avLst/>
@@ -3063,8 +3110,8 @@
         </p:nvSpPr>
         <p:spPr>
           <a:xfrm>
-            <a:off x="0" y="3875686"/>
-            <a:ext cx="12192000" cy="2982309"/>
+            <a:off x="0" y="3958813"/>
+            <a:ext cx="5853228" cy="2982309"/>
           </a:xfrm>
           <a:prstGeom prst="rect">
             <a:avLst/>
@@ -3093,8 +3140,91 @@
           <a:bodyPr rtlCol="0" anchor="ctr"/>
           <a:lstStyle/>
           <a:p>
-            <a:pPr algn="ctr"/>
-            <a:endParaRPr lang="en-US" dirty="0">
+            <a:r>
+              <a:rPr lang="en-US" sz="1200" b="1" dirty="0">
+                <a:solidFill>
+                  <a:schemeClr val="tx1"/>
+                </a:solidFill>
+              </a:rPr>
+              <a:t>Automatic Detection and Notification</a:t>
+            </a:r>
+          </a:p>
+          <a:p>
+            <a:r>
+              <a:rPr lang="en-US" sz="1200" dirty="0">
+                <a:solidFill>
+                  <a:schemeClr val="tx1"/>
+                </a:solidFill>
+              </a:rPr>
+              <a:t>The Out-of-Stock Detection System has a high level of detection accuracy thanks to Panasonic's original image recognition technology. If an item is out of stock, the staff will automatically be notified, together with the shelf position.</a:t>
+            </a:r>
+          </a:p>
+          <a:p>
+            <a:endParaRPr lang="en-IN" sz="1200" dirty="0">
+              <a:solidFill>
+                <a:schemeClr val="tx1"/>
+              </a:solidFill>
+              <a:cs typeface="Calibri"/>
+            </a:endParaRPr>
+          </a:p>
+          <a:p>
+            <a:pPr fontAlgn="base"/>
+            <a:r>
+              <a:rPr lang="en-US" sz="1200" b="1" dirty="0">
+                <a:solidFill>
+                  <a:schemeClr val="tx1"/>
+                </a:solidFill>
+              </a:rPr>
+              <a:t>Demand Forecasting</a:t>
+            </a:r>
+          </a:p>
+          <a:p>
+            <a:pPr fontAlgn="base"/>
+            <a:r>
+              <a:rPr lang="en-US" sz="1200" dirty="0">
+                <a:solidFill>
+                  <a:schemeClr val="tx1"/>
+                </a:solidFill>
+              </a:rPr>
+              <a:t>Out-of-stock information and data on fast-selling items are learned by the Panasonic cloud system, which allows the system to forecast item demand.</a:t>
+            </a:r>
+          </a:p>
+          <a:p>
+            <a:pPr fontAlgn="base"/>
+            <a:br>
+              <a:rPr lang="en-US" sz="1200" dirty="0">
+                <a:solidFill>
+                  <a:schemeClr val="tx1"/>
+                </a:solidFill>
+              </a:rPr>
+            </a:br>
+            <a:r>
+              <a:rPr lang="en-US" sz="1200" b="1" dirty="0">
+                <a:solidFill>
+                  <a:schemeClr val="tx1"/>
+                </a:solidFill>
+              </a:rPr>
+              <a:t>Linking Electronic Shelf Labels</a:t>
+            </a:r>
+            <a:br>
+              <a:rPr lang="en-US" sz="1200" dirty="0">
+                <a:solidFill>
+                  <a:schemeClr val="tx1"/>
+                </a:solidFill>
+              </a:rPr>
+            </a:br>
+            <a:r>
+              <a:rPr lang="en-US" sz="1200" dirty="0">
+                <a:solidFill>
+                  <a:schemeClr val="tx1"/>
+                </a:solidFill>
+              </a:rPr>
+              <a:t>The Out-of-Stock Detection System can be linked to Electronic Shelf Labels (ESL). This also enables the staff to recognize the names of out-of-stock items together with the geolocation information of the ESL management system.</a:t>
+            </a:r>
+            <a:endParaRPr lang="en-US" sz="1200" dirty="0">
+              <a:solidFill>
+                <a:schemeClr val="tx1"/>
+              </a:solidFill>
               <a:cs typeface="Calibri"/>
             </a:endParaRPr>
           </a:p>
@@ -3115,7 +3245,7 @@
           <p:nvPr/>
         </p:nvPicPr>
         <p:blipFill>
-          <a:blip r:embed="rId2"/>
+          <a:blip r:embed="rId3"/>
           <a:stretch>
             <a:fillRect/>
           </a:stretch>
@@ -3232,7 +3362,7 @@
         <p:spPr>
           <a:xfrm>
             <a:off x="5853231" y="557374"/>
-            <a:ext cx="6338768" cy="3324180"/>
+            <a:ext cx="6338768" cy="843614"/>
           </a:xfrm>
           <a:prstGeom prst="rect">
             <a:avLst/>
@@ -3264,7 +3394,7 @@
             <a:pPr algn="ctr"/>
             <a:r>
               <a:rPr lang="en-IN" dirty="0"/>
-              <a:t>customer acquisition and retention</a:t>
+              <a:t>                   customer acquisition and retention</a:t>
             </a:r>
           </a:p>
           <a:p>
@@ -3276,7 +3406,7 @@
                 </a:solidFill>
                 <a:cs typeface="Calibri"/>
               </a:rPr>
-              <a:t>Satisfaction and dis </a:t>
+              <a:t>                Satisfaction and dis </a:t>
             </a:r>
             <a:r>
               <a:rPr lang="en-US" dirty="0" err="1">
@@ -3450,6 +3580,194 @@
           </a:p>
         </p:txBody>
       </p:sp>
+      <p:pic>
+        <p:nvPicPr>
+          <p:cNvPr id="1028" name="Picture 4" descr="Out-of-Stock Detection | Panasonic Global">
+            <a:extLst>
+              <a:ext uri="{FF2B5EF4-FFF2-40B4-BE49-F238E27FC236}">
+                <a16:creationId xmlns:a16="http://schemas.microsoft.com/office/drawing/2014/main" id="{D4040064-C01C-4351-ABBC-24933D388FB6}"/>
+              </a:ext>
+            </a:extLst>
+          </p:cNvPr>
+          <p:cNvPicPr>
+            <a:picLocks noChangeAspect="1" noChangeArrowheads="1"/>
+          </p:cNvPicPr>
+          <p:nvPr/>
+        </p:nvPicPr>
+        <p:blipFill>
+          <a:blip r:embed="rId4">
+            <a:extLst>
+              <a:ext uri="{28A0092B-C50C-407E-A947-70E740481C1C}">
+                <a14:useLocalDpi xmlns:a14="http://schemas.microsoft.com/office/drawing/2010/main" val="0"/>
+              </a:ext>
+            </a:extLst>
+          </a:blip>
+          <a:srcRect/>
+          <a:stretch>
+            <a:fillRect/>
+          </a:stretch>
+        </p:blipFill>
+        <p:spPr bwMode="auto">
+          <a:xfrm>
+            <a:off x="39125" y="1505579"/>
+            <a:ext cx="5774978" cy="2279286"/>
+          </a:xfrm>
+          <a:prstGeom prst="rect">
+            <a:avLst/>
+          </a:prstGeom>
+          <a:noFill/>
+          <a:extLst>
+            <a:ext uri="{909E8E84-426E-40DD-AFC4-6F175D3DCCD1}">
+              <a14:hiddenFill xmlns:a14="http://schemas.microsoft.com/office/drawing/2010/main">
+                <a:solidFill>
+                  <a:srgbClr val="FFFFFF"/>
+                </a:solidFill>
+              </a14:hiddenFill>
+            </a:ext>
+          </a:extLst>
+        </p:spPr>
+      </p:pic>
+      <p:pic>
+        <p:nvPicPr>
+          <p:cNvPr id="20" name="Picture 14" descr="Reading the bar code">
+            <a:extLst>
+              <a:ext uri="{FF2B5EF4-FFF2-40B4-BE49-F238E27FC236}">
+                <a16:creationId xmlns:a16="http://schemas.microsoft.com/office/drawing/2014/main" id="{EABA6B33-8BE4-432A-9F01-8143CAD7CB62}"/>
+              </a:ext>
+            </a:extLst>
+          </p:cNvPr>
+          <p:cNvPicPr>
+            <a:picLocks noChangeAspect="1" noChangeArrowheads="1"/>
+          </p:cNvPicPr>
+          <p:nvPr/>
+        </p:nvPicPr>
+        <p:blipFill>
+          <a:blip r:embed="rId5">
+            <a:extLst>
+              <a:ext uri="{28A0092B-C50C-407E-A947-70E740481C1C}">
+                <a14:useLocalDpi xmlns:a14="http://schemas.microsoft.com/office/drawing/2010/main" val="0"/>
+              </a:ext>
+            </a:extLst>
+          </a:blip>
+          <a:srcRect/>
+          <a:stretch>
+            <a:fillRect/>
+          </a:stretch>
+        </p:blipFill>
+        <p:spPr bwMode="auto">
+          <a:xfrm>
+            <a:off x="2547683" y="4043344"/>
+            <a:ext cx="470574" cy="431359"/>
+          </a:xfrm>
+          <a:prstGeom prst="rect">
+            <a:avLst/>
+          </a:prstGeom>
+          <a:noFill/>
+          <a:extLst>
+            <a:ext uri="{909E8E84-426E-40DD-AFC4-6F175D3DCCD1}">
+              <a14:hiddenFill xmlns:a14="http://schemas.microsoft.com/office/drawing/2010/main">
+                <a:solidFill>
+                  <a:srgbClr val="FFFFFF"/>
+                </a:solidFill>
+              </a14:hiddenFill>
+            </a:ext>
+          </a:extLst>
+        </p:spPr>
+      </p:pic>
+      <p:pic>
+        <p:nvPicPr>
+          <p:cNvPr id="1030" name="Picture 6" descr="Direction">
+            <a:extLst>
+              <a:ext uri="{FF2B5EF4-FFF2-40B4-BE49-F238E27FC236}">
+                <a16:creationId xmlns:a16="http://schemas.microsoft.com/office/drawing/2014/main" id="{29651221-640A-4C8F-BCA2-43CF0DF3B246}"/>
+              </a:ext>
+            </a:extLst>
+          </p:cNvPr>
+          <p:cNvPicPr>
+            <a:picLocks noChangeAspect="1" noChangeArrowheads="1"/>
+          </p:cNvPicPr>
+          <p:nvPr/>
+        </p:nvPicPr>
+        <p:blipFill>
+          <a:blip r:embed="rId6">
+            <a:extLst>
+              <a:ext uri="{28A0092B-C50C-407E-A947-70E740481C1C}">
+                <a14:useLocalDpi xmlns:a14="http://schemas.microsoft.com/office/drawing/2010/main" val="0"/>
+              </a:ext>
+            </a:extLst>
+          </a:blip>
+          <a:srcRect/>
+          <a:stretch>
+            <a:fillRect/>
+          </a:stretch>
+        </p:blipFill>
+        <p:spPr bwMode="auto">
+          <a:xfrm>
+            <a:off x="1492665" y="4987163"/>
+            <a:ext cx="339293" cy="339293"/>
+          </a:xfrm>
+          <a:prstGeom prst="rect">
+            <a:avLst/>
+          </a:prstGeom>
+          <a:noFill/>
+          <a:extLst>
+            <a:ext uri="{909E8E84-426E-40DD-AFC4-6F175D3DCCD1}">
+              <a14:hiddenFill xmlns:a14="http://schemas.microsoft.com/office/drawing/2010/main">
+                <a:solidFill>
+                  <a:srgbClr val="FFFFFF"/>
+                </a:solidFill>
+              </a14:hiddenFill>
+            </a:ext>
+          </a:extLst>
+        </p:spPr>
+      </p:pic>
+      <p:pic>
+        <p:nvPicPr>
+          <p:cNvPr id="1032" name="Picture 8" descr="Projection">
+            <a:extLst>
+              <a:ext uri="{FF2B5EF4-FFF2-40B4-BE49-F238E27FC236}">
+                <a16:creationId xmlns:a16="http://schemas.microsoft.com/office/drawing/2014/main" id="{176D439E-BC75-4975-A6F5-978852135C4C}"/>
+              </a:ext>
+            </a:extLst>
+          </p:cNvPr>
+          <p:cNvPicPr>
+            <a:picLocks noChangeAspect="1" noChangeArrowheads="1"/>
+          </p:cNvPicPr>
+          <p:nvPr/>
+        </p:nvPicPr>
+        <p:blipFill>
+          <a:blip r:embed="rId7">
+            <a:extLst>
+              <a:ext uri="{28A0092B-C50C-407E-A947-70E740481C1C}">
+                <a14:useLocalDpi xmlns:a14="http://schemas.microsoft.com/office/drawing/2010/main" val="0"/>
+              </a:ext>
+            </a:extLst>
+          </a:blip>
+          <a:srcRect/>
+          <a:stretch>
+            <a:fillRect/>
+          </a:stretch>
+        </p:blipFill>
+        <p:spPr bwMode="auto">
+          <a:xfrm>
+            <a:off x="2032751" y="5749158"/>
+            <a:ext cx="361053" cy="371831"/>
+          </a:xfrm>
+          <a:prstGeom prst="rect">
+            <a:avLst/>
+          </a:prstGeom>
+          <a:noFill/>
+          <a:extLst>
+            <a:ext uri="{909E8E84-426E-40DD-AFC4-6F175D3DCCD1}">
+              <a14:hiddenFill xmlns:a14="http://schemas.microsoft.com/office/drawing/2010/main">
+                <a:solidFill>
+                  <a:srgbClr val="FFFFFF"/>
+                </a:solidFill>
+              </a14:hiddenFill>
+            </a:ext>
+          </a:extLst>
+        </p:spPr>
+      </p:pic>
     </p:spTree>
     <p:extLst>
       <p:ext uri="{BB962C8B-B14F-4D97-AF65-F5344CB8AC3E}">
@@ -3545,7 +3863,7 @@
         </p:nvSpPr>
         <p:spPr>
           <a:xfrm>
-            <a:off x="0" y="3875686"/>
+            <a:off x="0" y="3875691"/>
             <a:ext cx="12192000" cy="2982309"/>
           </a:xfrm>
           <a:prstGeom prst="rect">
@@ -3713,8 +4031,8 @@
         </p:nvGrpSpPr>
         <p:grpSpPr>
           <a:xfrm>
-            <a:off x="193676" y="2237075"/>
-            <a:ext cx="5128201" cy="1445322"/>
+            <a:off x="123914" y="2097103"/>
+            <a:ext cx="5583203" cy="1585294"/>
             <a:chOff x="287639" y="3208965"/>
             <a:chExt cx="11576114" cy="3141643"/>
           </a:xfrm>
@@ -3864,7 +4182,7 @@
         </p:nvSpPr>
         <p:spPr>
           <a:xfrm>
-            <a:off x="5853231" y="557374"/>
+            <a:off x="5853231" y="529665"/>
             <a:ext cx="6338768" cy="3324180"/>
           </a:xfrm>
           <a:prstGeom prst="rect">
@@ -4050,6 +4368,53 @@
           </a:p>
         </p:txBody>
       </p:sp>
+      <p:pic>
+        <p:nvPicPr>
+          <p:cNvPr id="17" name="Picture 6" descr="FMCG KPIs &amp; Metrics - Explore The Best KPI Examples">
+            <a:extLst>
+              <a:ext uri="{FF2B5EF4-FFF2-40B4-BE49-F238E27FC236}">
+                <a16:creationId xmlns:a16="http://schemas.microsoft.com/office/drawing/2014/main" id="{E46BADF0-DFD4-40FA-9ACE-0444F7547A85}"/>
+              </a:ext>
+            </a:extLst>
+          </p:cNvPr>
+          <p:cNvPicPr>
+            <a:picLocks noChangeAspect="1" noChangeArrowheads="1"/>
+          </p:cNvPicPr>
+          <p:nvPr/>
+        </p:nvPicPr>
+        <p:blipFill>
+          <a:blip r:embed="rId6">
+            <a:extLst>
+              <a:ext uri="{28A0092B-C50C-407E-A947-70E740481C1C}">
+                <a14:useLocalDpi xmlns:a14="http://schemas.microsoft.com/office/drawing/2010/main" val="0"/>
+              </a:ext>
+            </a:extLst>
+          </a:blip>
+          <a:srcRect/>
+          <a:stretch>
+            <a:fillRect/>
+          </a:stretch>
+        </p:blipFill>
+        <p:spPr bwMode="auto">
+          <a:xfrm>
+            <a:off x="8526667" y="586155"/>
+            <a:ext cx="3608312" cy="3236321"/>
+          </a:xfrm>
+          <a:prstGeom prst="rect">
+            <a:avLst/>
+          </a:prstGeom>
+          <a:noFill/>
+          <a:extLst>
+            <a:ext uri="{909E8E84-426E-40DD-AFC4-6F175D3DCCD1}">
+              <a14:hiddenFill xmlns:a14="http://schemas.microsoft.com/office/drawing/2010/main">
+                <a:solidFill>
+                  <a:srgbClr val="FFFFFF"/>
+                </a:solidFill>
+              </a14:hiddenFill>
+            </a:ext>
+          </a:extLst>
+        </p:spPr>
+      </p:pic>
     </p:spTree>
     <p:extLst>
       <p:ext uri="{BB962C8B-B14F-4D97-AF65-F5344CB8AC3E}">
@@ -4094,8 +4459,8 @@
         </p:nvSpPr>
         <p:spPr>
           <a:xfrm>
-            <a:off x="0" y="563631"/>
-            <a:ext cx="12192000" cy="6300623"/>
+            <a:off x="0" y="600576"/>
+            <a:ext cx="12192000" cy="904951"/>
           </a:xfrm>
           <a:prstGeom prst="rect">
             <a:avLst/>
@@ -4296,6 +4661,12 @@
               <a:buFont typeface="Arial"/>
               <a:buChar char="•"/>
             </a:pPr>
+            <a:r>
+              <a:rPr lang="en-US" sz="1600" dirty="0">
+                <a:hlinkClick r:id="rId3"/>
+              </a:rPr>
+              <a:t>https://panasonic.net/cns/invc/osd/</a:t>
+            </a:r>
             <a:endParaRPr lang="en-US" sz="1600" dirty="0">
               <a:latin typeface="Calibri"/>
               <a:cs typeface="Calibri"/>
@@ -4303,6 +4674,147 @@
           </a:p>
         </p:txBody>
       </p:sp>
+      <p:pic>
+        <p:nvPicPr>
+          <p:cNvPr id="2052" name="Picture 4" descr="Digitizing The World Could Be Worth $11 Trillion By 2025 (With ...">
+            <a:extLst>
+              <a:ext uri="{FF2B5EF4-FFF2-40B4-BE49-F238E27FC236}">
+                <a16:creationId xmlns:a16="http://schemas.microsoft.com/office/drawing/2014/main" id="{42D77F87-C1E8-4021-AB06-5638681C7D9C}"/>
+              </a:ext>
+            </a:extLst>
+          </p:cNvPr>
+          <p:cNvPicPr>
+            <a:picLocks noChangeAspect="1" noChangeArrowheads="1"/>
+          </p:cNvPicPr>
+          <p:nvPr/>
+        </p:nvPicPr>
+        <p:blipFill>
+          <a:blip r:embed="rId4" cstate="print">
+            <a:extLst>
+              <a:ext uri="{28A0092B-C50C-407E-A947-70E740481C1C}">
+                <a14:useLocalDpi xmlns:a14="http://schemas.microsoft.com/office/drawing/2010/main" val="0"/>
+              </a:ext>
+            </a:extLst>
+          </a:blip>
+          <a:srcRect/>
+          <a:stretch>
+            <a:fillRect/>
+          </a:stretch>
+        </p:blipFill>
+        <p:spPr bwMode="auto">
+          <a:xfrm>
+            <a:off x="0" y="1610102"/>
+            <a:ext cx="3501047" cy="5321788"/>
+          </a:xfrm>
+          <a:prstGeom prst="rect">
+            <a:avLst/>
+          </a:prstGeom>
+          <a:noFill/>
+          <a:extLst>
+            <a:ext uri="{909E8E84-426E-40DD-AFC4-6F175D3DCCD1}">
+              <a14:hiddenFill xmlns:a14="http://schemas.microsoft.com/office/drawing/2010/main">
+                <a:solidFill>
+                  <a:srgbClr val="FFFFFF"/>
+                </a:solidFill>
+              </a14:hiddenFill>
+            </a:ext>
+          </a:extLst>
+        </p:spPr>
+      </p:pic>
+      <p:pic>
+        <p:nvPicPr>
+          <p:cNvPr id="2058" name="Picture 10" descr="IMRS (Inventory Material Replenishment System)-Image">
+            <a:extLst>
+              <a:ext uri="{FF2B5EF4-FFF2-40B4-BE49-F238E27FC236}">
+                <a16:creationId xmlns:a16="http://schemas.microsoft.com/office/drawing/2014/main" id="{33D44D4B-4B8B-4589-8AE1-24E7DD900ED2}"/>
+              </a:ext>
+            </a:extLst>
+          </p:cNvPr>
+          <p:cNvPicPr>
+            <a:picLocks noChangeAspect="1" noChangeArrowheads="1"/>
+          </p:cNvPicPr>
+          <p:nvPr/>
+        </p:nvPicPr>
+        <p:blipFill>
+          <a:blip r:embed="rId5">
+            <a:extLst>
+              <a:ext uri="{28A0092B-C50C-407E-A947-70E740481C1C}">
+                <a14:useLocalDpi xmlns:a14="http://schemas.microsoft.com/office/drawing/2010/main" val="0"/>
+              </a:ext>
+            </a:extLst>
+          </a:blip>
+          <a:srcRect/>
+          <a:stretch>
+            <a:fillRect/>
+          </a:stretch>
+        </p:blipFill>
+        <p:spPr bwMode="auto">
+          <a:xfrm>
+            <a:off x="3501047" y="1610102"/>
+            <a:ext cx="1899805" cy="1355194"/>
+          </a:xfrm>
+          <a:prstGeom prst="rect">
+            <a:avLst/>
+          </a:prstGeom>
+          <a:noFill/>
+          <a:extLst>
+            <a:ext uri="{909E8E84-426E-40DD-AFC4-6F175D3DCCD1}">
+              <a14:hiddenFill xmlns:a14="http://schemas.microsoft.com/office/drawing/2010/main">
+                <a:solidFill>
+                  <a:srgbClr val="FFFFFF"/>
+                </a:solidFill>
+              </a14:hiddenFill>
+            </a:ext>
+          </a:extLst>
+        </p:spPr>
+      </p:pic>
+      <p:pic>
+        <p:nvPicPr>
+          <p:cNvPr id="2060" name="Picture 12" descr="Configrations">
+            <a:extLst>
+              <a:ext uri="{FF2B5EF4-FFF2-40B4-BE49-F238E27FC236}">
+                <a16:creationId xmlns:a16="http://schemas.microsoft.com/office/drawing/2014/main" id="{67919DB0-002C-4BAC-A564-D6E7A05CB823}"/>
+              </a:ext>
+            </a:extLst>
+          </p:cNvPr>
+          <p:cNvPicPr>
+            <a:picLocks noChangeAspect="1" noChangeArrowheads="1"/>
+          </p:cNvPicPr>
+          <p:nvPr/>
+        </p:nvPicPr>
+        <p:blipFill>
+          <a:blip r:embed="rId6">
+            <a:extLst>
+              <a:ext uri="{28A0092B-C50C-407E-A947-70E740481C1C}">
+                <a14:useLocalDpi xmlns:a14="http://schemas.microsoft.com/office/drawing/2010/main" val="0"/>
+              </a:ext>
+            </a:extLst>
+          </a:blip>
+          <a:srcRect/>
+          <a:stretch>
+            <a:fillRect/>
+          </a:stretch>
+        </p:blipFill>
+        <p:spPr bwMode="auto">
+          <a:xfrm>
+            <a:off x="3501047" y="3661199"/>
+            <a:ext cx="6220975" cy="3196801"/>
+          </a:xfrm>
+          <a:prstGeom prst="rect">
+            <a:avLst/>
+          </a:prstGeom>
+          <a:noFill/>
+          <a:extLst>
+            <a:ext uri="{909E8E84-426E-40DD-AFC4-6F175D3DCCD1}">
+              <a14:hiddenFill xmlns:a14="http://schemas.microsoft.com/office/drawing/2010/main">
+                <a:solidFill>
+                  <a:srgbClr val="FFFFFF"/>
+                </a:solidFill>
+              </a14:hiddenFill>
+            </a:ext>
+          </a:extLst>
+        </p:spPr>
+      </p:pic>
     </p:spTree>
     <p:extLst>
       <p:ext uri="{BB962C8B-B14F-4D97-AF65-F5344CB8AC3E}">

--- a/P_and_G_final_a.pptx
+++ b/P_and_G_final_a.pptx
@@ -4628,7 +4628,7 @@
         <p:spPr>
           <a:xfrm>
             <a:off x="82952" y="670752"/>
-            <a:ext cx="12041806" cy="584775"/>
+            <a:ext cx="12041806" cy="338554"/>
           </a:xfrm>
           <a:prstGeom prst="rect">
             <a:avLst/>
@@ -4649,23 +4649,16 @@
               <a:buChar char="•"/>
             </a:pPr>
             <a:r>
-              <a:rPr lang="en-US" sz="1600" dirty="0">
-                <a:latin typeface="Calibri"/>
-                <a:cs typeface="Calibri"/>
+              <a:rPr lang="en-US" sz="1600">
+                <a:hlinkClick r:id="rId3"/>
               </a:rPr>
-              <a:t>Using Open CV we created a Shelf health monitoring system to keep track of each row's health in real time.</a:t>
-            </a:r>
-          </a:p>
-          <a:p>
-            <a:pPr marL="285750" indent="-285750">
-              <a:buFont typeface="Arial"/>
-              <a:buChar char="•"/>
-            </a:pPr>
+              <a:t>https</a:t>
+            </a:r>
             <a:r>
               <a:rPr lang="en-US" sz="1600" dirty="0">
                 <a:hlinkClick r:id="rId3"/>
               </a:rPr>
-              <a:t>https://panasonic.net/cns/invc/osd/</a:t>
+              <a:t>://panasonic.net/cns/invc/osd/</a:t>
             </a:r>
             <a:endParaRPr lang="en-US" sz="1600" dirty="0">
               <a:latin typeface="Calibri"/>
